--- a/Intro to ACM.pptx
+++ b/Intro to ACM.pptx
@@ -7568,6 +7568,76 @@
               </a14:hiddenFill>
             </a:ext>
           </a:extLst>
+        </p:spPr>
+      </p:pic>
+      <p:sp>
+        <p:nvSpPr>
+          <p:cNvPr id="2" name="Rectangle 1">
+            <a:extLst>
+              <a:ext uri="{FF2B5EF4-FFF2-40B4-BE49-F238E27FC236}">
+                <a16:creationId xmlns:a16="http://schemas.microsoft.com/office/drawing/2014/main" id="{34C9A276-24ED-417F-B02D-330733895768}"/>
+              </a:ext>
+            </a:extLst>
+          </p:cNvPr>
+          <p:cNvSpPr/>
+          <p:nvPr/>
+        </p:nvSpPr>
+        <p:spPr>
+          <a:xfrm>
+            <a:off x="4393129" y="790473"/>
+            <a:ext cx="3228769" cy="369332"/>
+          </a:xfrm>
+          <a:prstGeom prst="rect">
+            <a:avLst/>
+          </a:prstGeom>
+        </p:spPr>
+        <p:txBody>
+          <a:bodyPr wrap="none">
+            <a:spAutoFit/>
+          </a:bodyPr>
+          <a:lstStyle/>
+          <a:p>
+            <a:r>
+              <a:rPr lang="en-US" dirty="0"/>
+              <a:t>http://bit.ly/UNOACM-Info</a:t>
+            </a:r>
+          </a:p>
+        </p:txBody>
+      </p:sp>
+      <p:pic>
+        <p:nvPicPr>
+          <p:cNvPr id="6" name="Picture 5" descr="A picture containing object, clock&#10;&#10;Description automatically generated">
+            <a:extLst>
+              <a:ext uri="{FF2B5EF4-FFF2-40B4-BE49-F238E27FC236}">
+                <a16:creationId xmlns:a16="http://schemas.microsoft.com/office/drawing/2014/main" id="{DDB791F9-481D-4AA7-9F7C-44104AD29FC1}"/>
+              </a:ext>
+            </a:extLst>
+          </p:cNvPr>
+          <p:cNvPicPr>
+            <a:picLocks noChangeAspect="1"/>
+          </p:cNvPicPr>
+          <p:nvPr/>
+        </p:nvPicPr>
+        <p:blipFill>
+          <a:blip r:embed="rId3">
+            <a:extLst>
+              <a:ext uri="{28A0092B-C50C-407E-A947-70E740481C1C}">
+                <a14:useLocalDpi xmlns:a14="http://schemas.microsoft.com/office/drawing/2010/main" val="0"/>
+              </a:ext>
+            </a:extLst>
+          </a:blip>
+          <a:stretch>
+            <a:fillRect/>
+          </a:stretch>
+        </p:blipFill>
+        <p:spPr>
+          <a:xfrm>
+            <a:off x="4667250" y="1371600"/>
+            <a:ext cx="2857500" cy="4114800"/>
+          </a:xfrm>
+          <a:prstGeom prst="rect">
+            <a:avLst/>
+          </a:prstGeom>
         </p:spPr>
       </p:pic>
     </p:spTree>
